--- a/angabe3/PräsentationStudienarbeit3_Diez_Mueller_Schöntag_Graf.pptx
+++ b/angabe3/PräsentationStudienarbeit3_Diez_Mueller_Schöntag_Graf.pptx
@@ -5,21 +5,22 @@
     <p:sldMasterId id="2147483648" r:id="rId1"/>
   </p:sldMasterIdLst>
   <p:notesMasterIdLst>
-    <p:notesMasterId r:id="rId9"/>
+    <p:notesMasterId r:id="rId10"/>
   </p:notesMasterIdLst>
   <p:sldIdLst>
     <p:sldId id="256" r:id="rId2"/>
     <p:sldId id="265" r:id="rId3"/>
     <p:sldId id="266" r:id="rId4"/>
-    <p:sldId id="267" r:id="rId5"/>
-    <p:sldId id="269" r:id="rId6"/>
-    <p:sldId id="268" r:id="rId7"/>
+    <p:sldId id="268" r:id="rId5"/>
+    <p:sldId id="272" r:id="rId6"/>
+    <p:sldId id="267" r:id="rId7"/>
     <p:sldId id="270" r:id="rId8"/>
+    <p:sldId id="271" r:id="rId9"/>
   </p:sldIdLst>
   <p:sldSz cx="9144000" cy="5143500" type="screen16x9"/>
   <p:notesSz cx="6858000" cy="9144000"/>
   <p:custDataLst>
-    <p:tags r:id="rId10"/>
+    <p:tags r:id="rId11"/>
   </p:custDataLst>
   <p:defaultTextStyle>
     <a:lvl1pPr marL="0" algn="l" rtl="0" latinLnBrk="0">
@@ -218,7 +219,7 @@
             <a:fld id="{A8ADFD5B-A66C-449C-B6E8-FB716D07777D}" type="datetimeFigureOut">
               <a:rPr lang="de-DE"/>
               <a:pPr/>
-              <a:t>25.06.2017</a:t>
+              <a:t>26.06.2017</a:t>
             </a:fld>
             <a:endParaRPr lang="de-DE"/>
           </a:p>
@@ -610,7 +611,92 @@
           <a:bodyPr/>
           <a:lstStyle/>
           <a:p>
+            <a:endParaRPr lang="de-DE" dirty="0"/>
+          </a:p>
+        </p:txBody>
+      </p:sp>
+      <p:sp>
+        <p:nvSpPr>
+          <p:cNvPr id="4" name="Foliennummernplatzhalter 3"/>
+          <p:cNvSpPr>
+            <a:spLocks noGrp="1"/>
+          </p:cNvSpPr>
+          <p:nvPr>
+            <p:ph type="sldNum" sz="quarter" idx="10"/>
+          </p:nvPr>
+        </p:nvSpPr>
+        <p:spPr/>
+        <p:txBody>
+          <a:bodyPr/>
+          <a:lstStyle/>
+          <a:p>
+            <a:fld id="{CA5D3BF3-D352-46FC-8343-31F56E6730EA}" type="slidenum">
+              <a:rPr lang="de-DE" smtClean="0"/>
+              <a:pPr/>
+              <a:t>6</a:t>
+            </a:fld>
             <a:endParaRPr lang="de-DE"/>
+          </a:p>
+        </p:txBody>
+      </p:sp>
+    </p:spTree>
+    <p:extLst>
+      <p:ext uri="{BB962C8B-B14F-4D97-AF65-F5344CB8AC3E}">
+        <p14:creationId xmlns:p14="http://schemas.microsoft.com/office/powerpoint/2010/main" val="3661910704"/>
+      </p:ext>
+    </p:extLst>
+  </p:cSld>
+  <p:clrMapOvr>
+    <a:masterClrMapping/>
+  </p:clrMapOvr>
+</p:notes>
+</file>
+
+<file path=ppt/notesSlides/notesSlide3.xml><?xml version="1.0" encoding="utf-8"?>
+<p:notes xmlns:a="http://schemas.openxmlformats.org/drawingml/2006/main" xmlns:r="http://schemas.openxmlformats.org/officeDocument/2006/relationships" xmlns:p="http://schemas.openxmlformats.org/presentationml/2006/main">
+  <p:cSld>
+    <p:spTree>
+      <p:nvGrpSpPr>
+        <p:cNvPr id="1" name=""/>
+        <p:cNvGrpSpPr/>
+        <p:nvPr/>
+      </p:nvGrpSpPr>
+      <p:grpSpPr>
+        <a:xfrm>
+          <a:off x="0" y="0"/>
+          <a:ext cx="0" cy="0"/>
+          <a:chOff x="0" y="0"/>
+          <a:chExt cx="0" cy="0"/>
+        </a:xfrm>
+      </p:grpSpPr>
+      <p:sp>
+        <p:nvSpPr>
+          <p:cNvPr id="2" name="Folienbildplatzhalter 1"/>
+          <p:cNvSpPr>
+            <a:spLocks noGrp="1" noRot="1" noChangeAspect="1"/>
+          </p:cNvSpPr>
+          <p:nvPr>
+            <p:ph type="sldImg"/>
+          </p:nvPr>
+        </p:nvSpPr>
+        <p:spPr/>
+      </p:sp>
+      <p:sp>
+        <p:nvSpPr>
+          <p:cNvPr id="3" name="Notizenplatzhalter 2"/>
+          <p:cNvSpPr>
+            <a:spLocks noGrp="1"/>
+          </p:cNvSpPr>
+          <p:nvPr>
+            <p:ph type="body" idx="1"/>
+          </p:nvPr>
+        </p:nvSpPr>
+        <p:spPr/>
+        <p:txBody>
+          <a:bodyPr/>
+          <a:lstStyle/>
+          <a:p>
+            <a:endParaRPr lang="de-DE" dirty="0"/>
           </a:p>
         </p:txBody>
       </p:sp>
@@ -642,6 +728,91 @@
     <p:extLst>
       <p:ext uri="{BB962C8B-B14F-4D97-AF65-F5344CB8AC3E}">
         <p14:creationId xmlns:p14="http://schemas.microsoft.com/office/powerpoint/2010/main" val="2230477345"/>
+      </p:ext>
+    </p:extLst>
+  </p:cSld>
+  <p:clrMapOvr>
+    <a:masterClrMapping/>
+  </p:clrMapOvr>
+</p:notes>
+</file>
+
+<file path=ppt/notesSlides/notesSlide4.xml><?xml version="1.0" encoding="utf-8"?>
+<p:notes xmlns:a="http://schemas.openxmlformats.org/drawingml/2006/main" xmlns:r="http://schemas.openxmlformats.org/officeDocument/2006/relationships" xmlns:p="http://schemas.openxmlformats.org/presentationml/2006/main">
+  <p:cSld>
+    <p:spTree>
+      <p:nvGrpSpPr>
+        <p:cNvPr id="1" name=""/>
+        <p:cNvGrpSpPr/>
+        <p:nvPr/>
+      </p:nvGrpSpPr>
+      <p:grpSpPr>
+        <a:xfrm>
+          <a:off x="0" y="0"/>
+          <a:ext cx="0" cy="0"/>
+          <a:chOff x="0" y="0"/>
+          <a:chExt cx="0" cy="0"/>
+        </a:xfrm>
+      </p:grpSpPr>
+      <p:sp>
+        <p:nvSpPr>
+          <p:cNvPr id="2" name="Folienbildplatzhalter 1"/>
+          <p:cNvSpPr>
+            <a:spLocks noGrp="1" noRot="1" noChangeAspect="1"/>
+          </p:cNvSpPr>
+          <p:nvPr>
+            <p:ph type="sldImg"/>
+          </p:nvPr>
+        </p:nvSpPr>
+        <p:spPr/>
+      </p:sp>
+      <p:sp>
+        <p:nvSpPr>
+          <p:cNvPr id="3" name="Notizenplatzhalter 2"/>
+          <p:cNvSpPr>
+            <a:spLocks noGrp="1"/>
+          </p:cNvSpPr>
+          <p:nvPr>
+            <p:ph type="body" idx="1"/>
+          </p:nvPr>
+        </p:nvSpPr>
+        <p:spPr/>
+        <p:txBody>
+          <a:bodyPr/>
+          <a:lstStyle/>
+          <a:p>
+            <a:endParaRPr lang="de-DE" dirty="0"/>
+          </a:p>
+        </p:txBody>
+      </p:sp>
+      <p:sp>
+        <p:nvSpPr>
+          <p:cNvPr id="4" name="Foliennummernplatzhalter 3"/>
+          <p:cNvSpPr>
+            <a:spLocks noGrp="1"/>
+          </p:cNvSpPr>
+          <p:nvPr>
+            <p:ph type="sldNum" sz="quarter" idx="10"/>
+          </p:nvPr>
+        </p:nvSpPr>
+        <p:spPr/>
+        <p:txBody>
+          <a:bodyPr/>
+          <a:lstStyle/>
+          <a:p>
+            <a:fld id="{CA5D3BF3-D352-46FC-8343-31F56E6730EA}" type="slidenum">
+              <a:rPr lang="de-DE" smtClean="0"/>
+              <a:pPr/>
+              <a:t>8</a:t>
+            </a:fld>
+            <a:endParaRPr lang="de-DE"/>
+          </a:p>
+        </p:txBody>
+      </p:sp>
+    </p:spTree>
+    <p:extLst>
+      <p:ext uri="{BB962C8B-B14F-4D97-AF65-F5344CB8AC3E}">
+        <p14:creationId xmlns:p14="http://schemas.microsoft.com/office/powerpoint/2010/main" val="3432573223"/>
       </p:ext>
     </p:extLst>
   </p:cSld>
@@ -916,7 +1087,7 @@
                   <a:srgbClr val="FFFFFF"/>
                 </a:solidFill>
               </a:rPr>
-              <a:t>25.06.2017</a:t>
+              <a:t>26.06.2017</a:t>
             </a:fld>
             <a:endParaRPr kumimoji="0" lang="de-DE" sz="2000">
               <a:solidFill>
@@ -1110,7 +1281,7 @@
           <a:p>
             <a:fld id="{4158BFC0-1217-4C6E-89CF-889179FD1131}" type="datetime1">
               <a:rPr lang="de-DE" smtClean="0"/>
-              <a:t>25.06.2017</a:t>
+              <a:t>26.06.2017</a:t>
             </a:fld>
             <a:endParaRPr kumimoji="0" lang="de-DE"/>
           </a:p>
@@ -1525,7 +1696,7 @@
           <a:p>
             <a:fld id="{8C457F08-DCA6-407E-844B-A1CB9D6228A8}" type="datetime1">
               <a:rPr lang="de-DE" smtClean="0"/>
-              <a:t>25.06.2017</a:t>
+              <a:t>26.06.2017</a:t>
             </a:fld>
             <a:endParaRPr kumimoji="0" lang="de-DE"/>
           </a:p>
@@ -1779,7 +1950,7 @@
           <a:p>
             <a:fld id="{244C0763-7359-4F14-8F6A-3B000C9E80EA}" type="datetime1">
               <a:rPr lang="de-DE" smtClean="0"/>
-              <a:t>25.06.2017</a:t>
+              <a:t>26.06.2017</a:t>
             </a:fld>
             <a:endParaRPr kumimoji="0" lang="de-DE"/>
           </a:p>
@@ -2023,7 +2194,7 @@
           <a:p>
             <a:fld id="{009CD50D-0E19-4FF0-9463-3AEB5B8CC6CF}" type="datetime1">
               <a:rPr lang="de-DE" smtClean="0"/>
-              <a:t>25.06.2017</a:t>
+              <a:t>26.06.2017</a:t>
             </a:fld>
             <a:endParaRPr kumimoji="0" lang="de-DE"/>
           </a:p>
@@ -2227,7 +2398,7 @@
           <a:p>
             <a:fld id="{3C54240C-3F72-43B2-8207-F8183B90832A}" type="datetime1">
               <a:rPr lang="de-DE" smtClean="0"/>
-              <a:t>25.06.2017</a:t>
+              <a:t>26.06.2017</a:t>
             </a:fld>
             <a:endParaRPr kumimoji="0" lang="de-DE"/>
           </a:p>
@@ -2335,7 +2506,7 @@
           <a:p>
             <a:fld id="{B8543D43-D8FC-42B6-87D6-FC3DAAA5FE70}" type="datetime1">
               <a:rPr lang="de-DE" smtClean="0"/>
-              <a:t>25.06.2017</a:t>
+              <a:t>26.06.2017</a:t>
             </a:fld>
             <a:endParaRPr kumimoji="0" lang="de-DE"/>
           </a:p>
@@ -2483,7 +2654,7 @@
           <a:p>
             <a:fld id="{1D1A1F09-D1EF-4926-83B2-935598150A1B}" type="datetime1">
               <a:rPr lang="de-DE" smtClean="0"/>
-              <a:t>25.06.2017</a:t>
+              <a:t>26.06.2017</a:t>
             </a:fld>
             <a:endParaRPr kumimoji="0" lang="de-DE"/>
           </a:p>
@@ -3056,7 +3227,7 @@
           <a:p>
             <a:fld id="{8977B405-3024-44FB-8004-BE21EE2A5FD3}" type="datetime1">
               <a:rPr lang="de-DE" smtClean="0"/>
-              <a:t>25.06.2017</a:t>
+              <a:t>26.06.2017</a:t>
             </a:fld>
             <a:endParaRPr kumimoji="0" lang="de-DE"/>
           </a:p>
@@ -3251,7 +3422,7 @@
           <a:p>
             <a:fld id="{B5E3886C-FFC5-42A9-AA8A-B73C9EC29BCF}" type="datetime1">
               <a:rPr lang="de-DE" smtClean="0"/>
-              <a:t>25.06.2017</a:t>
+              <a:t>26.06.2017</a:t>
             </a:fld>
             <a:endParaRPr kumimoji="0" lang="de-DE" sz="1400">
               <a:solidFill>
@@ -4117,43 +4288,6 @@
       </p:sp>
       <p:sp>
         <p:nvSpPr>
-          <p:cNvPr id="3" name="Inhaltsplatzhalter 2"/>
-          <p:cNvSpPr>
-            <a:spLocks noGrp="1"/>
-          </p:cNvSpPr>
-          <p:nvPr>
-            <p:ph sz="quarter" idx="13"/>
-          </p:nvPr>
-        </p:nvSpPr>
-        <p:spPr/>
-        <p:txBody>
-          <a:bodyPr/>
-          <a:lstStyle/>
-          <a:p>
-            <a:r>
-              <a:rPr lang="de-DE" dirty="0"/>
-              <a:t>Planung</a:t>
-            </a:r>
-          </a:p>
-          <a:p>
-            <a:r>
-              <a:rPr lang="de-DE" dirty="0"/>
-              <a:t>Implementierung</a:t>
-            </a:r>
-          </a:p>
-          <a:p>
-            <a:r>
-              <a:rPr lang="de-DE" dirty="0"/>
-              <a:t>Tests</a:t>
-            </a:r>
-          </a:p>
-          <a:p>
-            <a:endParaRPr lang="de-DE" dirty="0"/>
-          </a:p>
-        </p:txBody>
-      </p:sp>
-      <p:sp>
-        <p:nvSpPr>
           <p:cNvPr id="4" name="Foliennummernplatzhalter 3"/>
           <p:cNvSpPr>
             <a:spLocks noGrp="1"/>
@@ -4230,7 +4364,7 @@
           <a:p>
             <a:r>
               <a:rPr lang="de-DE" dirty="0"/>
-              <a:t>Hühnertest</a:t>
+              <a:t>RIMEA 4 Test</a:t>
             </a:r>
           </a:p>
         </p:txBody>
@@ -4306,7 +4440,7 @@
     </p:spTree>
     <p:extLst>
       <p:ext uri="{BB962C8B-B14F-4D97-AF65-F5344CB8AC3E}">
-        <p14:creationId xmlns:p14="http://schemas.microsoft.com/office/powerpoint/2010/main" val="1614132024"/>
+        <p14:creationId xmlns:p14="http://schemas.microsoft.com/office/powerpoint/2010/main" val="3519736546"/>
       </p:ext>
     </p:extLst>
   </p:cSld>
@@ -4350,51 +4484,14 @@
           <a:p>
             <a:r>
               <a:rPr lang="de-DE" dirty="0"/>
-              <a:t>Engstelle Test</a:t>
-            </a:r>
-          </a:p>
-        </p:txBody>
-      </p:sp>
-      <p:sp>
-        <p:nvSpPr>
-          <p:cNvPr id="3" name="Inhaltsplatzhalter 2"/>
-          <p:cNvSpPr>
-            <a:spLocks noGrp="1"/>
-          </p:cNvSpPr>
-          <p:nvPr>
-            <p:ph sz="quarter" idx="13"/>
-          </p:nvPr>
-        </p:nvSpPr>
-        <p:spPr/>
-        <p:txBody>
-          <a:bodyPr/>
-          <a:lstStyle/>
-          <a:p>
-            <a:r>
-              <a:rPr lang="de-DE" dirty="0"/>
-              <a:t>Planung</a:t>
-            </a:r>
-          </a:p>
-          <a:p>
-            <a:r>
-              <a:rPr lang="de-DE" dirty="0"/>
-              <a:t>Implementierung</a:t>
-            </a:r>
-          </a:p>
-          <a:p>
-            <a:r>
-              <a:rPr lang="de-DE" dirty="0"/>
-              <a:t>Tests</a:t>
-            </a:r>
-          </a:p>
-          <a:p>
-            <a:endParaRPr lang="de-DE" dirty="0"/>
-          </a:p>
-        </p:txBody>
-      </p:sp>
-      <p:sp>
-        <p:nvSpPr>
-          <p:cNvPr id="4" name="Foliennummernplatzhalter 3"/>
+              <a:t>Hühnertest</a:t>
+            </a:r>
+          </a:p>
+        </p:txBody>
+      </p:sp>
+      <p:sp>
+        <p:nvSpPr>
+          <p:cNvPr id="3" name="Foliennummernplatzhalter 2"/>
           <p:cNvSpPr>
             <a:spLocks noGrp="1"/>
           </p:cNvSpPr>
@@ -4426,7 +4523,7 @@
     </p:spTree>
     <p:extLst>
       <p:ext uri="{BB962C8B-B14F-4D97-AF65-F5344CB8AC3E}">
-        <p14:creationId xmlns:p14="http://schemas.microsoft.com/office/powerpoint/2010/main" val="3101046655"/>
+        <p14:creationId xmlns:p14="http://schemas.microsoft.com/office/powerpoint/2010/main" val="3788720122"/>
       </p:ext>
     </p:extLst>
   </p:cSld>
@@ -4470,45 +4567,8 @@
           <a:p>
             <a:r>
               <a:rPr lang="de-DE" dirty="0"/>
-              <a:t>RIMEA 4 Test</a:t>
-            </a:r>
-          </a:p>
-        </p:txBody>
-      </p:sp>
-      <p:sp>
-        <p:nvSpPr>
-          <p:cNvPr id="3" name="Inhaltsplatzhalter 2"/>
-          <p:cNvSpPr>
-            <a:spLocks noGrp="1"/>
-          </p:cNvSpPr>
-          <p:nvPr>
-            <p:ph sz="quarter" idx="13"/>
-          </p:nvPr>
-        </p:nvSpPr>
-        <p:spPr/>
-        <p:txBody>
-          <a:bodyPr/>
-          <a:lstStyle/>
-          <a:p>
-            <a:r>
-              <a:rPr lang="de-DE" dirty="0"/>
-              <a:t>Planung</a:t>
-            </a:r>
-          </a:p>
-          <a:p>
-            <a:r>
-              <a:rPr lang="de-DE" dirty="0"/>
-              <a:t>Implementierung</a:t>
-            </a:r>
-          </a:p>
-          <a:p>
-            <a:r>
-              <a:rPr lang="de-DE" dirty="0"/>
-              <a:t>Tests</a:t>
-            </a:r>
-          </a:p>
-          <a:p>
-            <a:endParaRPr lang="de-DE" dirty="0"/>
+              <a:t>Testfall Engstelle</a:t>
+            </a:r>
           </a:p>
         </p:txBody>
       </p:sp>
@@ -4543,10 +4603,70 @@
           </a:p>
         </p:txBody>
       </p:sp>
+      <p:pic>
+        <p:nvPicPr>
+          <p:cNvPr id="5" name="Grafik 4"/>
+          <p:cNvPicPr>
+            <a:picLocks noChangeAspect="1"/>
+          </p:cNvPicPr>
+          <p:nvPr/>
+        </p:nvPicPr>
+        <p:blipFill>
+          <a:blip r:embed="rId3">
+            <a:extLst>
+              <a:ext uri="{28A0092B-C50C-407E-A947-70E740481C1C}">
+                <a14:useLocalDpi xmlns:a14="http://schemas.microsoft.com/office/drawing/2010/main" val="0"/>
+              </a:ext>
+            </a:extLst>
+          </a:blip>
+          <a:stretch>
+            <a:fillRect/>
+          </a:stretch>
+        </p:blipFill>
+        <p:spPr>
+          <a:xfrm>
+            <a:off x="137194" y="1562079"/>
+            <a:ext cx="4529357" cy="2547445"/>
+          </a:xfrm>
+          <a:prstGeom prst="rect">
+            <a:avLst/>
+          </a:prstGeom>
+        </p:spPr>
+      </p:pic>
+      <p:pic>
+        <p:nvPicPr>
+          <p:cNvPr id="7" name="Grafik 6"/>
+          <p:cNvPicPr>
+            <a:picLocks noChangeAspect="1"/>
+          </p:cNvPicPr>
+          <p:nvPr/>
+        </p:nvPicPr>
+        <p:blipFill>
+          <a:blip r:embed="rId4" cstate="print">
+            <a:extLst>
+              <a:ext uri="{28A0092B-C50C-407E-A947-70E740481C1C}">
+                <a14:useLocalDpi xmlns:a14="http://schemas.microsoft.com/office/drawing/2010/main" val="0"/>
+              </a:ext>
+            </a:extLst>
+          </a:blip>
+          <a:stretch>
+            <a:fillRect/>
+          </a:stretch>
+        </p:blipFill>
+        <p:spPr>
+          <a:xfrm>
+            <a:off x="4499992" y="1562079"/>
+            <a:ext cx="4572000" cy="2571317"/>
+          </a:xfrm>
+          <a:prstGeom prst="rect">
+            <a:avLst/>
+          </a:prstGeom>
+        </p:spPr>
+      </p:pic>
     </p:spTree>
     <p:extLst>
       <p:ext uri="{BB962C8B-B14F-4D97-AF65-F5344CB8AC3E}">
-        <p14:creationId xmlns:p14="http://schemas.microsoft.com/office/powerpoint/2010/main" val="3519736546"/>
+        <p14:creationId xmlns:p14="http://schemas.microsoft.com/office/powerpoint/2010/main" val="1614132024"/>
       </p:ext>
     </p:extLst>
   </p:cSld>
@@ -4590,8 +4710,13 @@
           <a:p>
             <a:r>
               <a:rPr lang="de-DE" dirty="0"/>
-              <a:t>Fazit</a:t>
-            </a:r>
+              <a:t>Vergleich Euklid – Fast-</a:t>
+            </a:r>
+            <a:r>
+              <a:rPr lang="de-DE" dirty="0" err="1"/>
+              <a:t>Marching</a:t>
+            </a:r>
+            <a:endParaRPr lang="de-DE" dirty="0"/>
           </a:p>
         </p:txBody>
       </p:sp>
@@ -4626,29 +4751,234 @@
           </a:p>
         </p:txBody>
       </p:sp>
-      <p:sp>
-        <p:nvSpPr>
-          <p:cNvPr id="4" name="Inhaltsplatzhalter 3"/>
-          <p:cNvSpPr>
-            <a:spLocks noGrp="1"/>
-          </p:cNvSpPr>
-          <p:nvPr>
-            <p:ph sz="quarter" idx="13"/>
-          </p:nvPr>
-        </p:nvSpPr>
-        <p:spPr/>
-        <p:txBody>
-          <a:bodyPr/>
-          <a:lstStyle/>
-          <a:p>
-            <a:endParaRPr lang="de-DE"/>
-          </a:p>
-        </p:txBody>
-      </p:sp>
+      <p:pic>
+        <p:nvPicPr>
+          <p:cNvPr id="6" name="Grafik 5"/>
+          <p:cNvPicPr>
+            <a:picLocks noChangeAspect="1"/>
+          </p:cNvPicPr>
+          <p:nvPr/>
+        </p:nvPicPr>
+        <p:blipFill>
+          <a:blip r:embed="rId3">
+            <a:extLst>
+              <a:ext uri="{28A0092B-C50C-407E-A947-70E740481C1C}">
+                <a14:useLocalDpi xmlns:a14="http://schemas.microsoft.com/office/drawing/2010/main" val="0"/>
+              </a:ext>
+            </a:extLst>
+          </a:blip>
+          <a:stretch>
+            <a:fillRect/>
+          </a:stretch>
+        </p:blipFill>
+        <p:spPr>
+          <a:xfrm>
+            <a:off x="1475656" y="1419622"/>
+            <a:ext cx="5971429" cy="3359239"/>
+          </a:xfrm>
+          <a:prstGeom prst="rect">
+            <a:avLst/>
+          </a:prstGeom>
+        </p:spPr>
+      </p:pic>
     </p:spTree>
     <p:extLst>
       <p:ext uri="{BB962C8B-B14F-4D97-AF65-F5344CB8AC3E}">
         <p14:creationId xmlns:p14="http://schemas.microsoft.com/office/powerpoint/2010/main" val="1878542652"/>
+      </p:ext>
+    </p:extLst>
+  </p:cSld>
+  <p:clrMapOvr>
+    <a:masterClrMapping/>
+  </p:clrMapOvr>
+</p:sld>
+</file>
+
+<file path=ppt/slides/slide8.xml><?xml version="1.0" encoding="utf-8"?>
+<p:sld xmlns:a="http://schemas.openxmlformats.org/drawingml/2006/main" xmlns:r="http://schemas.openxmlformats.org/officeDocument/2006/relationships" xmlns:p="http://schemas.openxmlformats.org/presentationml/2006/main">
+  <p:cSld>
+    <p:spTree>
+      <p:nvGrpSpPr>
+        <p:cNvPr id="1" name=""/>
+        <p:cNvGrpSpPr/>
+        <p:nvPr/>
+      </p:nvGrpSpPr>
+      <p:grpSpPr>
+        <a:xfrm>
+          <a:off x="0" y="0"/>
+          <a:ext cx="0" cy="0"/>
+          <a:chOff x="0" y="0"/>
+          <a:chExt cx="0" cy="0"/>
+        </a:xfrm>
+      </p:grpSpPr>
+      <p:pic>
+        <p:nvPicPr>
+          <p:cNvPr id="5" name="Grafik 4"/>
+          <p:cNvPicPr>
+            <a:picLocks noChangeAspect="1"/>
+          </p:cNvPicPr>
+          <p:nvPr/>
+        </p:nvPicPr>
+        <p:blipFill>
+          <a:blip r:embed="rId3"/>
+          <a:stretch>
+            <a:fillRect/>
+          </a:stretch>
+        </p:blipFill>
+        <p:spPr>
+          <a:xfrm>
+            <a:off x="1" y="1424348"/>
+            <a:ext cx="4783979" cy="2689200"/>
+          </a:xfrm>
+          <a:prstGeom prst="rect">
+            <a:avLst/>
+          </a:prstGeom>
+        </p:spPr>
+      </p:pic>
+      <p:sp>
+        <p:nvSpPr>
+          <p:cNvPr id="2" name="Titel 1"/>
+          <p:cNvSpPr>
+            <a:spLocks noGrp="1"/>
+          </p:cNvSpPr>
+          <p:nvPr>
+            <p:ph type="title"/>
+          </p:nvPr>
+        </p:nvSpPr>
+        <p:spPr/>
+        <p:txBody>
+          <a:bodyPr/>
+          <a:lstStyle/>
+          <a:p>
+            <a:r>
+              <a:rPr lang="de-DE" dirty="0"/>
+              <a:t>Vergleich Euklid – Fast-</a:t>
+            </a:r>
+            <a:r>
+              <a:rPr lang="de-DE" dirty="0" err="1"/>
+              <a:t>Marching</a:t>
+            </a:r>
+            <a:endParaRPr lang="de-DE" dirty="0"/>
+          </a:p>
+        </p:txBody>
+      </p:sp>
+      <p:sp>
+        <p:nvSpPr>
+          <p:cNvPr id="3" name="Foliennummernplatzhalter 2"/>
+          <p:cNvSpPr>
+            <a:spLocks noGrp="1"/>
+          </p:cNvSpPr>
+          <p:nvPr>
+            <p:ph type="sldNum" sz="quarter" idx="12"/>
+          </p:nvPr>
+        </p:nvSpPr>
+        <p:spPr/>
+        <p:txBody>
+          <a:bodyPr>
+            <a:normAutofit fontScale="47500" lnSpcReduction="20000"/>
+          </a:bodyPr>
+          <a:lstStyle/>
+          <a:p>
+            <a:pPr algn="ctr"/>
+            <a:fld id="{8F82E0A0-C266-4798-8C8F-B9F91E9DA37E}" type="slidenum">
+              <a:rPr kumimoji="0" lang="de-DE" sz="1400" b="1" smtClean="0">
+                <a:solidFill>
+                  <a:srgbClr val="FFFFFF"/>
+                </a:solidFill>
+              </a:rPr>
+              <a:pPr algn="ctr"/>
+              <a:t>8</a:t>
+            </a:fld>
+            <a:endParaRPr kumimoji="0" lang="de-DE"/>
+          </a:p>
+        </p:txBody>
+      </p:sp>
+      <p:pic>
+        <p:nvPicPr>
+          <p:cNvPr id="4" name="Grafik 3"/>
+          <p:cNvPicPr>
+            <a:picLocks noChangeAspect="1"/>
+          </p:cNvPicPr>
+          <p:nvPr/>
+        </p:nvPicPr>
+        <p:blipFill>
+          <a:blip r:embed="rId4"/>
+          <a:stretch>
+            <a:fillRect/>
+          </a:stretch>
+        </p:blipFill>
+        <p:spPr>
+          <a:xfrm>
+            <a:off x="4211960" y="1421984"/>
+            <a:ext cx="4932040" cy="2690501"/>
+          </a:xfrm>
+          <a:prstGeom prst="rect">
+            <a:avLst/>
+          </a:prstGeom>
+        </p:spPr>
+      </p:pic>
+      <p:sp>
+        <p:nvSpPr>
+          <p:cNvPr id="7" name="Textfeld 6"/>
+          <p:cNvSpPr txBox="1"/>
+          <p:nvPr/>
+        </p:nvSpPr>
+        <p:spPr>
+          <a:xfrm>
+            <a:off x="1131850" y="4413946"/>
+            <a:ext cx="2520280" cy="369332"/>
+          </a:xfrm>
+          <a:prstGeom prst="rect">
+            <a:avLst/>
+          </a:prstGeom>
+          <a:noFill/>
+        </p:spPr>
+        <p:txBody>
+          <a:bodyPr wrap="square" rtlCol="0">
+            <a:spAutoFit/>
+          </a:bodyPr>
+          <a:lstStyle/>
+          <a:p>
+            <a:r>
+              <a:rPr lang="de-DE" dirty="0"/>
+              <a:t>Zellgröße: 2 m</a:t>
+            </a:r>
+          </a:p>
+        </p:txBody>
+      </p:sp>
+      <p:sp>
+        <p:nvSpPr>
+          <p:cNvPr id="9" name="Textfeld 8"/>
+          <p:cNvSpPr txBox="1"/>
+          <p:nvPr/>
+        </p:nvSpPr>
+        <p:spPr>
+          <a:xfrm>
+            <a:off x="5724128" y="4410519"/>
+            <a:ext cx="2520280" cy="369332"/>
+          </a:xfrm>
+          <a:prstGeom prst="rect">
+            <a:avLst/>
+          </a:prstGeom>
+          <a:noFill/>
+        </p:spPr>
+        <p:txBody>
+          <a:bodyPr wrap="square" rtlCol="0">
+            <a:spAutoFit/>
+          </a:bodyPr>
+          <a:lstStyle/>
+          <a:p>
+            <a:r>
+              <a:rPr lang="de-DE" dirty="0"/>
+              <a:t>Zellgröße: 0,03125 m</a:t>
+            </a:r>
+          </a:p>
+        </p:txBody>
+      </p:sp>
+    </p:spTree>
+    <p:extLst>
+      <p:ext uri="{BB962C8B-B14F-4D97-AF65-F5344CB8AC3E}">
+        <p14:creationId xmlns:p14="http://schemas.microsoft.com/office/powerpoint/2010/main" val="2659582414"/>
       </p:ext>
     </p:extLst>
   </p:cSld>

--- a/angabe3/PräsentationStudienarbeit3_Diez_Mueller_Schöntag_Graf.pptx
+++ b/angabe3/PräsentationStudienarbeit3_Diez_Mueller_Schöntag_Graf.pptx
@@ -5,7 +5,7 @@
     <p:sldMasterId id="2147483648" r:id="rId1"/>
   </p:sldMasterIdLst>
   <p:notesMasterIdLst>
-    <p:notesMasterId r:id="rId10"/>
+    <p:notesMasterId r:id="rId13"/>
   </p:notesMasterIdLst>
   <p:sldIdLst>
     <p:sldId id="256" r:id="rId2"/>
@@ -13,14 +13,17 @@
     <p:sldId id="266" r:id="rId4"/>
     <p:sldId id="268" r:id="rId5"/>
     <p:sldId id="272" r:id="rId6"/>
-    <p:sldId id="267" r:id="rId7"/>
-    <p:sldId id="270" r:id="rId8"/>
-    <p:sldId id="271" r:id="rId9"/>
+    <p:sldId id="273" r:id="rId7"/>
+    <p:sldId id="267" r:id="rId8"/>
+    <p:sldId id="275" r:id="rId9"/>
+    <p:sldId id="274" r:id="rId10"/>
+    <p:sldId id="270" r:id="rId11"/>
+    <p:sldId id="271" r:id="rId12"/>
   </p:sldIdLst>
   <p:sldSz cx="9144000" cy="5143500" type="screen16x9"/>
   <p:notesSz cx="6858000" cy="9144000"/>
   <p:custDataLst>
-    <p:tags r:id="rId11"/>
+    <p:tags r:id="rId14"/>
   </p:custDataLst>
   <p:defaultTextStyle>
     <a:lvl1pPr marL="0" algn="l" rtl="0" latinLnBrk="0">
@@ -219,7 +222,7 @@
             <a:fld id="{A8ADFD5B-A66C-449C-B6E8-FB716D07777D}" type="datetimeFigureOut">
               <a:rPr lang="de-DE"/>
               <a:pPr/>
-              <a:t>26.06.2017</a:t>
+              <a:t>28.06.2017</a:t>
             </a:fld>
             <a:endParaRPr lang="de-DE"/>
           </a:p>
@@ -642,7 +645,7 @@
     </p:spTree>
     <p:extLst>
       <p:ext uri="{BB962C8B-B14F-4D97-AF65-F5344CB8AC3E}">
-        <p14:creationId xmlns:p14="http://schemas.microsoft.com/office/powerpoint/2010/main" val="3661910704"/>
+        <p14:creationId xmlns:p14="http://schemas.microsoft.com/office/powerpoint/2010/main" val="3208133307"/>
       </p:ext>
     </p:extLst>
   </p:cSld>
@@ -727,7 +730,7 @@
     </p:spTree>
     <p:extLst>
       <p:ext uri="{BB962C8B-B14F-4D97-AF65-F5344CB8AC3E}">
-        <p14:creationId xmlns:p14="http://schemas.microsoft.com/office/powerpoint/2010/main" val="2230477345"/>
+        <p14:creationId xmlns:p14="http://schemas.microsoft.com/office/powerpoint/2010/main" val="3661910704"/>
       </p:ext>
     </p:extLst>
   </p:cSld>
@@ -804,6 +807,261 @@
               <a:rPr lang="de-DE" smtClean="0"/>
               <a:pPr/>
               <a:t>8</a:t>
+            </a:fld>
+            <a:endParaRPr lang="de-DE"/>
+          </a:p>
+        </p:txBody>
+      </p:sp>
+    </p:spTree>
+    <p:extLst>
+      <p:ext uri="{BB962C8B-B14F-4D97-AF65-F5344CB8AC3E}">
+        <p14:creationId xmlns:p14="http://schemas.microsoft.com/office/powerpoint/2010/main" val="2097107691"/>
+      </p:ext>
+    </p:extLst>
+  </p:cSld>
+  <p:clrMapOvr>
+    <a:masterClrMapping/>
+  </p:clrMapOvr>
+</p:notes>
+</file>
+
+<file path=ppt/notesSlides/notesSlide5.xml><?xml version="1.0" encoding="utf-8"?>
+<p:notes xmlns:a="http://schemas.openxmlformats.org/drawingml/2006/main" xmlns:r="http://schemas.openxmlformats.org/officeDocument/2006/relationships" xmlns:p="http://schemas.openxmlformats.org/presentationml/2006/main">
+  <p:cSld>
+    <p:spTree>
+      <p:nvGrpSpPr>
+        <p:cNvPr id="1" name=""/>
+        <p:cNvGrpSpPr/>
+        <p:nvPr/>
+      </p:nvGrpSpPr>
+      <p:grpSpPr>
+        <a:xfrm>
+          <a:off x="0" y="0"/>
+          <a:ext cx="0" cy="0"/>
+          <a:chOff x="0" y="0"/>
+          <a:chExt cx="0" cy="0"/>
+        </a:xfrm>
+      </p:grpSpPr>
+      <p:sp>
+        <p:nvSpPr>
+          <p:cNvPr id="2" name="Folienbildplatzhalter 1"/>
+          <p:cNvSpPr>
+            <a:spLocks noGrp="1" noRot="1" noChangeAspect="1"/>
+          </p:cNvSpPr>
+          <p:nvPr>
+            <p:ph type="sldImg"/>
+          </p:nvPr>
+        </p:nvSpPr>
+        <p:spPr/>
+      </p:sp>
+      <p:sp>
+        <p:nvSpPr>
+          <p:cNvPr id="3" name="Notizenplatzhalter 2"/>
+          <p:cNvSpPr>
+            <a:spLocks noGrp="1"/>
+          </p:cNvSpPr>
+          <p:nvPr>
+            <p:ph type="body" idx="1"/>
+          </p:nvPr>
+        </p:nvSpPr>
+        <p:spPr/>
+        <p:txBody>
+          <a:bodyPr/>
+          <a:lstStyle/>
+          <a:p>
+            <a:endParaRPr lang="de-DE" dirty="0"/>
+          </a:p>
+        </p:txBody>
+      </p:sp>
+      <p:sp>
+        <p:nvSpPr>
+          <p:cNvPr id="4" name="Foliennummernplatzhalter 3"/>
+          <p:cNvSpPr>
+            <a:spLocks noGrp="1"/>
+          </p:cNvSpPr>
+          <p:nvPr>
+            <p:ph type="sldNum" sz="quarter" idx="10"/>
+          </p:nvPr>
+        </p:nvSpPr>
+        <p:spPr/>
+        <p:txBody>
+          <a:bodyPr/>
+          <a:lstStyle/>
+          <a:p>
+            <a:fld id="{CA5D3BF3-D352-46FC-8343-31F56E6730EA}" type="slidenum">
+              <a:rPr lang="de-DE" smtClean="0"/>
+              <a:pPr/>
+              <a:t>9</a:t>
+            </a:fld>
+            <a:endParaRPr lang="de-DE"/>
+          </a:p>
+        </p:txBody>
+      </p:sp>
+    </p:spTree>
+    <p:extLst>
+      <p:ext uri="{BB962C8B-B14F-4D97-AF65-F5344CB8AC3E}">
+        <p14:creationId xmlns:p14="http://schemas.microsoft.com/office/powerpoint/2010/main" val="951991146"/>
+      </p:ext>
+    </p:extLst>
+  </p:cSld>
+  <p:clrMapOvr>
+    <a:masterClrMapping/>
+  </p:clrMapOvr>
+</p:notes>
+</file>
+
+<file path=ppt/notesSlides/notesSlide6.xml><?xml version="1.0" encoding="utf-8"?>
+<p:notes xmlns:a="http://schemas.openxmlformats.org/drawingml/2006/main" xmlns:r="http://schemas.openxmlformats.org/officeDocument/2006/relationships" xmlns:p="http://schemas.openxmlformats.org/presentationml/2006/main">
+  <p:cSld>
+    <p:spTree>
+      <p:nvGrpSpPr>
+        <p:cNvPr id="1" name=""/>
+        <p:cNvGrpSpPr/>
+        <p:nvPr/>
+      </p:nvGrpSpPr>
+      <p:grpSpPr>
+        <a:xfrm>
+          <a:off x="0" y="0"/>
+          <a:ext cx="0" cy="0"/>
+          <a:chOff x="0" y="0"/>
+          <a:chExt cx="0" cy="0"/>
+        </a:xfrm>
+      </p:grpSpPr>
+      <p:sp>
+        <p:nvSpPr>
+          <p:cNvPr id="2" name="Folienbildplatzhalter 1"/>
+          <p:cNvSpPr>
+            <a:spLocks noGrp="1" noRot="1" noChangeAspect="1"/>
+          </p:cNvSpPr>
+          <p:nvPr>
+            <p:ph type="sldImg"/>
+          </p:nvPr>
+        </p:nvSpPr>
+        <p:spPr/>
+      </p:sp>
+      <p:sp>
+        <p:nvSpPr>
+          <p:cNvPr id="3" name="Notizenplatzhalter 2"/>
+          <p:cNvSpPr>
+            <a:spLocks noGrp="1"/>
+          </p:cNvSpPr>
+          <p:nvPr>
+            <p:ph type="body" idx="1"/>
+          </p:nvPr>
+        </p:nvSpPr>
+        <p:spPr/>
+        <p:txBody>
+          <a:bodyPr/>
+          <a:lstStyle/>
+          <a:p>
+            <a:endParaRPr lang="de-DE" dirty="0"/>
+          </a:p>
+        </p:txBody>
+      </p:sp>
+      <p:sp>
+        <p:nvSpPr>
+          <p:cNvPr id="4" name="Foliennummernplatzhalter 3"/>
+          <p:cNvSpPr>
+            <a:spLocks noGrp="1"/>
+          </p:cNvSpPr>
+          <p:nvPr>
+            <p:ph type="sldNum" sz="quarter" idx="10"/>
+          </p:nvPr>
+        </p:nvSpPr>
+        <p:spPr/>
+        <p:txBody>
+          <a:bodyPr/>
+          <a:lstStyle/>
+          <a:p>
+            <a:fld id="{CA5D3BF3-D352-46FC-8343-31F56E6730EA}" type="slidenum">
+              <a:rPr lang="de-DE" smtClean="0"/>
+              <a:pPr/>
+              <a:t>10</a:t>
+            </a:fld>
+            <a:endParaRPr lang="de-DE"/>
+          </a:p>
+        </p:txBody>
+      </p:sp>
+    </p:spTree>
+    <p:extLst>
+      <p:ext uri="{BB962C8B-B14F-4D97-AF65-F5344CB8AC3E}">
+        <p14:creationId xmlns:p14="http://schemas.microsoft.com/office/powerpoint/2010/main" val="2230477345"/>
+      </p:ext>
+    </p:extLst>
+  </p:cSld>
+  <p:clrMapOvr>
+    <a:masterClrMapping/>
+  </p:clrMapOvr>
+</p:notes>
+</file>
+
+<file path=ppt/notesSlides/notesSlide7.xml><?xml version="1.0" encoding="utf-8"?>
+<p:notes xmlns:a="http://schemas.openxmlformats.org/drawingml/2006/main" xmlns:r="http://schemas.openxmlformats.org/officeDocument/2006/relationships" xmlns:p="http://schemas.openxmlformats.org/presentationml/2006/main">
+  <p:cSld>
+    <p:spTree>
+      <p:nvGrpSpPr>
+        <p:cNvPr id="1" name=""/>
+        <p:cNvGrpSpPr/>
+        <p:nvPr/>
+      </p:nvGrpSpPr>
+      <p:grpSpPr>
+        <a:xfrm>
+          <a:off x="0" y="0"/>
+          <a:ext cx="0" cy="0"/>
+          <a:chOff x="0" y="0"/>
+          <a:chExt cx="0" cy="0"/>
+        </a:xfrm>
+      </p:grpSpPr>
+      <p:sp>
+        <p:nvSpPr>
+          <p:cNvPr id="2" name="Folienbildplatzhalter 1"/>
+          <p:cNvSpPr>
+            <a:spLocks noGrp="1" noRot="1" noChangeAspect="1"/>
+          </p:cNvSpPr>
+          <p:nvPr>
+            <p:ph type="sldImg"/>
+          </p:nvPr>
+        </p:nvSpPr>
+        <p:spPr/>
+      </p:sp>
+      <p:sp>
+        <p:nvSpPr>
+          <p:cNvPr id="3" name="Notizenplatzhalter 2"/>
+          <p:cNvSpPr>
+            <a:spLocks noGrp="1"/>
+          </p:cNvSpPr>
+          <p:nvPr>
+            <p:ph type="body" idx="1"/>
+          </p:nvPr>
+        </p:nvSpPr>
+        <p:spPr/>
+        <p:txBody>
+          <a:bodyPr/>
+          <a:lstStyle/>
+          <a:p>
+            <a:endParaRPr lang="de-DE" dirty="0"/>
+          </a:p>
+        </p:txBody>
+      </p:sp>
+      <p:sp>
+        <p:nvSpPr>
+          <p:cNvPr id="4" name="Foliennummernplatzhalter 3"/>
+          <p:cNvSpPr>
+            <a:spLocks noGrp="1"/>
+          </p:cNvSpPr>
+          <p:nvPr>
+            <p:ph type="sldNum" sz="quarter" idx="10"/>
+          </p:nvPr>
+        </p:nvSpPr>
+        <p:spPr/>
+        <p:txBody>
+          <a:bodyPr/>
+          <a:lstStyle/>
+          <a:p>
+            <a:fld id="{CA5D3BF3-D352-46FC-8343-31F56E6730EA}" type="slidenum">
+              <a:rPr lang="de-DE" smtClean="0"/>
+              <a:pPr/>
+              <a:t>11</a:t>
             </a:fld>
             <a:endParaRPr lang="de-DE"/>
           </a:p>
@@ -1087,7 +1345,7 @@
                   <a:srgbClr val="FFFFFF"/>
                 </a:solidFill>
               </a:rPr>
-              <a:t>26.06.2017</a:t>
+              <a:t>28.06.2017</a:t>
             </a:fld>
             <a:endParaRPr kumimoji="0" lang="de-DE" sz="2000">
               <a:solidFill>
@@ -1281,7 +1539,7 @@
           <a:p>
             <a:fld id="{4158BFC0-1217-4C6E-89CF-889179FD1131}" type="datetime1">
               <a:rPr lang="de-DE" smtClean="0"/>
-              <a:t>26.06.2017</a:t>
+              <a:t>28.06.2017</a:t>
             </a:fld>
             <a:endParaRPr kumimoji="0" lang="de-DE"/>
           </a:p>
@@ -1696,7 +1954,7 @@
           <a:p>
             <a:fld id="{8C457F08-DCA6-407E-844B-A1CB9D6228A8}" type="datetime1">
               <a:rPr lang="de-DE" smtClean="0"/>
-              <a:t>26.06.2017</a:t>
+              <a:t>28.06.2017</a:t>
             </a:fld>
             <a:endParaRPr kumimoji="0" lang="de-DE"/>
           </a:p>
@@ -1950,7 +2208,7 @@
           <a:p>
             <a:fld id="{244C0763-7359-4F14-8F6A-3B000C9E80EA}" type="datetime1">
               <a:rPr lang="de-DE" smtClean="0"/>
-              <a:t>26.06.2017</a:t>
+              <a:t>28.06.2017</a:t>
             </a:fld>
             <a:endParaRPr kumimoji="0" lang="de-DE"/>
           </a:p>
@@ -2194,7 +2452,7 @@
           <a:p>
             <a:fld id="{009CD50D-0E19-4FF0-9463-3AEB5B8CC6CF}" type="datetime1">
               <a:rPr lang="de-DE" smtClean="0"/>
-              <a:t>26.06.2017</a:t>
+              <a:t>28.06.2017</a:t>
             </a:fld>
             <a:endParaRPr kumimoji="0" lang="de-DE"/>
           </a:p>
@@ -2398,7 +2656,7 @@
           <a:p>
             <a:fld id="{3C54240C-3F72-43B2-8207-F8183B90832A}" type="datetime1">
               <a:rPr lang="de-DE" smtClean="0"/>
-              <a:t>26.06.2017</a:t>
+              <a:t>28.06.2017</a:t>
             </a:fld>
             <a:endParaRPr kumimoji="0" lang="de-DE"/>
           </a:p>
@@ -2506,7 +2764,7 @@
           <a:p>
             <a:fld id="{B8543D43-D8FC-42B6-87D6-FC3DAAA5FE70}" type="datetime1">
               <a:rPr lang="de-DE" smtClean="0"/>
-              <a:t>26.06.2017</a:t>
+              <a:t>28.06.2017</a:t>
             </a:fld>
             <a:endParaRPr kumimoji="0" lang="de-DE"/>
           </a:p>
@@ -2654,7 +2912,7 @@
           <a:p>
             <a:fld id="{1D1A1F09-D1EF-4926-83B2-935598150A1B}" type="datetime1">
               <a:rPr lang="de-DE" smtClean="0"/>
-              <a:t>26.06.2017</a:t>
+              <a:t>28.06.2017</a:t>
             </a:fld>
             <a:endParaRPr kumimoji="0" lang="de-DE"/>
           </a:p>
@@ -3227,7 +3485,7 @@
           <a:p>
             <a:fld id="{8977B405-3024-44FB-8004-BE21EE2A5FD3}" type="datetime1">
               <a:rPr lang="de-DE" smtClean="0"/>
-              <a:t>26.06.2017</a:t>
+              <a:t>28.06.2017</a:t>
             </a:fld>
             <a:endParaRPr kumimoji="0" lang="de-DE"/>
           </a:p>
@@ -3422,7 +3680,7 @@
           <a:p>
             <a:fld id="{B5E3886C-FFC5-42A9-AA8A-B73C9EC29BCF}" type="datetime1">
               <a:rPr lang="de-DE" smtClean="0"/>
-              <a:t>26.06.2017</a:t>
+              <a:t>28.06.2017</a:t>
             </a:fld>
             <a:endParaRPr kumimoji="0" lang="de-DE" sz="1400">
               <a:solidFill>
@@ -4132,6 +4390,318 @@
 </p:sld>
 </file>
 
+<file path=ppt/slides/slide10.xml><?xml version="1.0" encoding="utf-8"?>
+<p:sld xmlns:a="http://schemas.openxmlformats.org/drawingml/2006/main" xmlns:r="http://schemas.openxmlformats.org/officeDocument/2006/relationships" xmlns:p="http://schemas.openxmlformats.org/presentationml/2006/main">
+  <p:cSld>
+    <p:spTree>
+      <p:nvGrpSpPr>
+        <p:cNvPr id="1" name=""/>
+        <p:cNvGrpSpPr/>
+        <p:nvPr/>
+      </p:nvGrpSpPr>
+      <p:grpSpPr>
+        <a:xfrm>
+          <a:off x="0" y="0"/>
+          <a:ext cx="0" cy="0"/>
+          <a:chOff x="0" y="0"/>
+          <a:chExt cx="0" cy="0"/>
+        </a:xfrm>
+      </p:grpSpPr>
+      <p:sp>
+        <p:nvSpPr>
+          <p:cNvPr id="2" name="Titel 1"/>
+          <p:cNvSpPr>
+            <a:spLocks noGrp="1"/>
+          </p:cNvSpPr>
+          <p:nvPr>
+            <p:ph type="title"/>
+          </p:nvPr>
+        </p:nvSpPr>
+        <p:spPr/>
+        <p:txBody>
+          <a:bodyPr/>
+          <a:lstStyle/>
+          <a:p>
+            <a:r>
+              <a:rPr lang="de-DE" dirty="0"/>
+              <a:t>Vergleich Euklid – Fast-</a:t>
+            </a:r>
+            <a:r>
+              <a:rPr lang="de-DE" dirty="0" err="1"/>
+              <a:t>Marching</a:t>
+            </a:r>
+            <a:endParaRPr lang="de-DE" dirty="0"/>
+          </a:p>
+        </p:txBody>
+      </p:sp>
+      <p:sp>
+        <p:nvSpPr>
+          <p:cNvPr id="3" name="Foliennummernplatzhalter 2"/>
+          <p:cNvSpPr>
+            <a:spLocks noGrp="1"/>
+          </p:cNvSpPr>
+          <p:nvPr>
+            <p:ph type="sldNum" sz="quarter" idx="12"/>
+          </p:nvPr>
+        </p:nvSpPr>
+        <p:spPr/>
+        <p:txBody>
+          <a:bodyPr>
+            <a:normAutofit fontScale="47500" lnSpcReduction="20000"/>
+          </a:bodyPr>
+          <a:lstStyle/>
+          <a:p>
+            <a:pPr algn="ctr"/>
+            <a:fld id="{8F82E0A0-C266-4798-8C8F-B9F91E9DA37E}" type="slidenum">
+              <a:rPr kumimoji="0" lang="de-DE" sz="1400" b="1" smtClean="0">
+                <a:solidFill>
+                  <a:srgbClr val="FFFFFF"/>
+                </a:solidFill>
+              </a:rPr>
+              <a:pPr algn="ctr"/>
+              <a:t>10</a:t>
+            </a:fld>
+            <a:endParaRPr kumimoji="0" lang="de-DE"/>
+          </a:p>
+        </p:txBody>
+      </p:sp>
+      <p:pic>
+        <p:nvPicPr>
+          <p:cNvPr id="6" name="Grafik 5"/>
+          <p:cNvPicPr>
+            <a:picLocks noChangeAspect="1"/>
+          </p:cNvPicPr>
+          <p:nvPr/>
+        </p:nvPicPr>
+        <p:blipFill>
+          <a:blip r:embed="rId3">
+            <a:extLst>
+              <a:ext uri="{28A0092B-C50C-407E-A947-70E740481C1C}">
+                <a14:useLocalDpi xmlns:a14="http://schemas.microsoft.com/office/drawing/2010/main" val="0"/>
+              </a:ext>
+            </a:extLst>
+          </a:blip>
+          <a:stretch>
+            <a:fillRect/>
+          </a:stretch>
+        </p:blipFill>
+        <p:spPr>
+          <a:xfrm>
+            <a:off x="1475656" y="1419622"/>
+            <a:ext cx="5971429" cy="3359239"/>
+          </a:xfrm>
+          <a:prstGeom prst="rect">
+            <a:avLst/>
+          </a:prstGeom>
+        </p:spPr>
+      </p:pic>
+    </p:spTree>
+    <p:extLst>
+      <p:ext uri="{BB962C8B-B14F-4D97-AF65-F5344CB8AC3E}">
+        <p14:creationId xmlns:p14="http://schemas.microsoft.com/office/powerpoint/2010/main" val="1878542652"/>
+      </p:ext>
+    </p:extLst>
+  </p:cSld>
+  <p:clrMapOvr>
+    <a:masterClrMapping/>
+  </p:clrMapOvr>
+</p:sld>
+</file>
+
+<file path=ppt/slides/slide11.xml><?xml version="1.0" encoding="utf-8"?>
+<p:sld xmlns:a="http://schemas.openxmlformats.org/drawingml/2006/main" xmlns:r="http://schemas.openxmlformats.org/officeDocument/2006/relationships" xmlns:p="http://schemas.openxmlformats.org/presentationml/2006/main">
+  <p:cSld>
+    <p:spTree>
+      <p:nvGrpSpPr>
+        <p:cNvPr id="1" name=""/>
+        <p:cNvGrpSpPr/>
+        <p:nvPr/>
+      </p:nvGrpSpPr>
+      <p:grpSpPr>
+        <a:xfrm>
+          <a:off x="0" y="0"/>
+          <a:ext cx="0" cy="0"/>
+          <a:chOff x="0" y="0"/>
+          <a:chExt cx="0" cy="0"/>
+        </a:xfrm>
+      </p:grpSpPr>
+      <p:pic>
+        <p:nvPicPr>
+          <p:cNvPr id="5" name="Grafik 4"/>
+          <p:cNvPicPr>
+            <a:picLocks noChangeAspect="1"/>
+          </p:cNvPicPr>
+          <p:nvPr/>
+        </p:nvPicPr>
+        <p:blipFill>
+          <a:blip r:embed="rId3"/>
+          <a:stretch>
+            <a:fillRect/>
+          </a:stretch>
+        </p:blipFill>
+        <p:spPr>
+          <a:xfrm>
+            <a:off x="1" y="1424348"/>
+            <a:ext cx="4783979" cy="2689200"/>
+          </a:xfrm>
+          <a:prstGeom prst="rect">
+            <a:avLst/>
+          </a:prstGeom>
+        </p:spPr>
+      </p:pic>
+      <p:sp>
+        <p:nvSpPr>
+          <p:cNvPr id="2" name="Titel 1"/>
+          <p:cNvSpPr>
+            <a:spLocks noGrp="1"/>
+          </p:cNvSpPr>
+          <p:nvPr>
+            <p:ph type="title"/>
+          </p:nvPr>
+        </p:nvSpPr>
+        <p:spPr/>
+        <p:txBody>
+          <a:bodyPr/>
+          <a:lstStyle/>
+          <a:p>
+            <a:r>
+              <a:rPr lang="de-DE" dirty="0"/>
+              <a:t>Vergleich Euklid – Fast-</a:t>
+            </a:r>
+            <a:r>
+              <a:rPr lang="de-DE" dirty="0" err="1"/>
+              <a:t>Marching</a:t>
+            </a:r>
+            <a:endParaRPr lang="de-DE" dirty="0"/>
+          </a:p>
+        </p:txBody>
+      </p:sp>
+      <p:sp>
+        <p:nvSpPr>
+          <p:cNvPr id="3" name="Foliennummernplatzhalter 2"/>
+          <p:cNvSpPr>
+            <a:spLocks noGrp="1"/>
+          </p:cNvSpPr>
+          <p:nvPr>
+            <p:ph type="sldNum" sz="quarter" idx="12"/>
+          </p:nvPr>
+        </p:nvSpPr>
+        <p:spPr/>
+        <p:txBody>
+          <a:bodyPr>
+            <a:normAutofit fontScale="47500" lnSpcReduction="20000"/>
+          </a:bodyPr>
+          <a:lstStyle/>
+          <a:p>
+            <a:pPr algn="ctr"/>
+            <a:fld id="{8F82E0A0-C266-4798-8C8F-B9F91E9DA37E}" type="slidenum">
+              <a:rPr kumimoji="0" lang="de-DE" sz="1400" b="1" smtClean="0">
+                <a:solidFill>
+                  <a:srgbClr val="FFFFFF"/>
+                </a:solidFill>
+              </a:rPr>
+              <a:pPr algn="ctr"/>
+              <a:t>11</a:t>
+            </a:fld>
+            <a:endParaRPr kumimoji="0" lang="de-DE"/>
+          </a:p>
+        </p:txBody>
+      </p:sp>
+      <p:pic>
+        <p:nvPicPr>
+          <p:cNvPr id="4" name="Grafik 3"/>
+          <p:cNvPicPr>
+            <a:picLocks noChangeAspect="1"/>
+          </p:cNvPicPr>
+          <p:nvPr/>
+        </p:nvPicPr>
+        <p:blipFill>
+          <a:blip r:embed="rId4"/>
+          <a:stretch>
+            <a:fillRect/>
+          </a:stretch>
+        </p:blipFill>
+        <p:spPr>
+          <a:xfrm>
+            <a:off x="4211960" y="1421984"/>
+            <a:ext cx="4932040" cy="2690501"/>
+          </a:xfrm>
+          <a:prstGeom prst="rect">
+            <a:avLst/>
+          </a:prstGeom>
+        </p:spPr>
+      </p:pic>
+      <p:sp>
+        <p:nvSpPr>
+          <p:cNvPr id="7" name="Textfeld 6"/>
+          <p:cNvSpPr txBox="1"/>
+          <p:nvPr/>
+        </p:nvSpPr>
+        <p:spPr>
+          <a:xfrm>
+            <a:off x="1131850" y="4413946"/>
+            <a:ext cx="2520280" cy="369332"/>
+          </a:xfrm>
+          <a:prstGeom prst="rect">
+            <a:avLst/>
+          </a:prstGeom>
+          <a:noFill/>
+        </p:spPr>
+        <p:txBody>
+          <a:bodyPr wrap="square" rtlCol="0">
+            <a:spAutoFit/>
+          </a:bodyPr>
+          <a:lstStyle/>
+          <a:p>
+            <a:r>
+              <a:rPr lang="de-DE" dirty="0"/>
+              <a:t>Zellgröße: 2 m</a:t>
+            </a:r>
+          </a:p>
+        </p:txBody>
+      </p:sp>
+      <p:sp>
+        <p:nvSpPr>
+          <p:cNvPr id="9" name="Textfeld 8"/>
+          <p:cNvSpPr txBox="1"/>
+          <p:nvPr/>
+        </p:nvSpPr>
+        <p:spPr>
+          <a:xfrm>
+            <a:off x="5724128" y="4410519"/>
+            <a:ext cx="2520280" cy="369332"/>
+          </a:xfrm>
+          <a:prstGeom prst="rect">
+            <a:avLst/>
+          </a:prstGeom>
+          <a:noFill/>
+        </p:spPr>
+        <p:txBody>
+          <a:bodyPr wrap="square" rtlCol="0">
+            <a:spAutoFit/>
+          </a:bodyPr>
+          <a:lstStyle/>
+          <a:p>
+            <a:r>
+              <a:rPr lang="de-DE" dirty="0"/>
+              <a:t>Zellgröße: 0,03125 m</a:t>
+            </a:r>
+          </a:p>
+        </p:txBody>
+      </p:sp>
+    </p:spTree>
+    <p:extLst>
+      <p:ext uri="{BB962C8B-B14F-4D97-AF65-F5344CB8AC3E}">
+        <p14:creationId xmlns:p14="http://schemas.microsoft.com/office/powerpoint/2010/main" val="2659582414"/>
+      </p:ext>
+    </p:extLst>
+  </p:cSld>
+  <p:clrMapOvr>
+    <a:masterClrMapping/>
+  </p:clrMapOvr>
+</p:sld>
+</file>
+
 <file path=ppt/slides/slide2.xml><?xml version="1.0" encoding="utf-8"?>
 <p:sld xmlns:a="http://schemas.openxmlformats.org/drawingml/2006/main" xmlns:r="http://schemas.openxmlformats.org/officeDocument/2006/relationships" xmlns:p="http://schemas.openxmlformats.org/presentationml/2006/main">
   <p:cSld>
@@ -4520,6 +5090,36 @@
           </a:p>
         </p:txBody>
       </p:sp>
+      <p:pic>
+        <p:nvPicPr>
+          <p:cNvPr id="11" name="Grafik 10"/>
+          <p:cNvPicPr>
+            <a:picLocks noChangeAspect="1"/>
+          </p:cNvPicPr>
+          <p:nvPr/>
+        </p:nvPicPr>
+        <p:blipFill>
+          <a:blip r:embed="rId2">
+            <a:extLst>
+              <a:ext uri="{28A0092B-C50C-407E-A947-70E740481C1C}">
+                <a14:useLocalDpi xmlns:a14="http://schemas.microsoft.com/office/drawing/2010/main" val="0"/>
+              </a:ext>
+            </a:extLst>
+          </a:blip>
+          <a:stretch>
+            <a:fillRect/>
+          </a:stretch>
+        </p:blipFill>
+        <p:spPr>
+          <a:xfrm>
+            <a:off x="1633111" y="1707654"/>
+            <a:ext cx="6106377" cy="2753109"/>
+          </a:xfrm>
+          <a:prstGeom prst="rect">
+            <a:avLst/>
+          </a:prstGeom>
+        </p:spPr>
+      </p:pic>
     </p:spTree>
     <p:extLst>
       <p:ext uri="{BB962C8B-B14F-4D97-AF65-F5344CB8AC3E}">
@@ -4567,14 +5167,14 @@
           <a:p>
             <a:r>
               <a:rPr lang="de-DE" dirty="0"/>
-              <a:t>Testfall Engstelle</a:t>
-            </a:r>
-          </a:p>
-        </p:txBody>
-      </p:sp>
-      <p:sp>
-        <p:nvSpPr>
-          <p:cNvPr id="4" name="Foliennummernplatzhalter 3"/>
+              <a:t>Hühnertest</a:t>
+            </a:r>
+          </a:p>
+        </p:txBody>
+      </p:sp>
+      <p:sp>
+        <p:nvSpPr>
+          <p:cNvPr id="3" name="Foliennummernplatzhalter 2"/>
           <p:cNvSpPr>
             <a:spLocks noGrp="1"/>
           </p:cNvSpPr>
@@ -4611,7 +5211,7 @@
           </p:cNvPicPr>
           <p:nvPr/>
         </p:nvPicPr>
-        <p:blipFill>
+        <p:blipFill rotWithShape="1">
           <a:blip r:embed="rId3">
             <a:extLst>
               <a:ext uri="{28A0092B-C50C-407E-A947-70E740481C1C}">
@@ -4619,14 +5219,13 @@
               </a:ext>
             </a:extLst>
           </a:blip>
-          <a:stretch>
-            <a:fillRect/>
-          </a:stretch>
+          <a:srcRect r="34864"/>
+          <a:stretch/>
         </p:blipFill>
         <p:spPr>
           <a:xfrm>
-            <a:off x="137194" y="1562079"/>
-            <a:ext cx="4529357" cy="2547445"/>
+            <a:off x="4561387" y="1326286"/>
+            <a:ext cx="4582613" cy="2478570"/>
           </a:xfrm>
           <a:prstGeom prst="rect">
             <a:avLst/>
@@ -4635,38 +5234,103 @@
       </p:pic>
       <p:pic>
         <p:nvPicPr>
-          <p:cNvPr id="7" name="Grafik 6"/>
+          <p:cNvPr id="9" name="Grafik 8"/>
           <p:cNvPicPr>
             <a:picLocks noChangeAspect="1"/>
           </p:cNvPicPr>
           <p:nvPr/>
         </p:nvPicPr>
-        <p:blipFill>
-          <a:blip r:embed="rId4" cstate="print">
+        <p:blipFill rotWithShape="1">
+          <a:blip r:embed="rId4">
             <a:extLst>
               <a:ext uri="{28A0092B-C50C-407E-A947-70E740481C1C}">
                 <a14:useLocalDpi xmlns:a14="http://schemas.microsoft.com/office/drawing/2010/main" val="0"/>
               </a:ext>
             </a:extLst>
           </a:blip>
-          <a:stretch>
-            <a:fillRect/>
-          </a:stretch>
+          <a:srcRect r="37828"/>
+          <a:stretch/>
         </p:blipFill>
         <p:spPr>
           <a:xfrm>
-            <a:off x="4499992" y="1562079"/>
-            <a:ext cx="4572000" cy="2571317"/>
+            <a:off x="192781" y="1326286"/>
+            <a:ext cx="4351911" cy="2478570"/>
           </a:xfrm>
           <a:prstGeom prst="rect">
             <a:avLst/>
           </a:prstGeom>
         </p:spPr>
       </p:pic>
+      <p:sp>
+        <p:nvSpPr>
+          <p:cNvPr id="4" name="Textfeld 3"/>
+          <p:cNvSpPr txBox="1"/>
+          <p:nvPr/>
+        </p:nvSpPr>
+        <p:spPr>
+          <a:xfrm>
+            <a:off x="827584" y="4227934"/>
+            <a:ext cx="2592288" cy="369332"/>
+          </a:xfrm>
+          <a:prstGeom prst="rect">
+            <a:avLst/>
+          </a:prstGeom>
+          <a:noFill/>
+        </p:spPr>
+        <p:txBody>
+          <a:bodyPr wrap="square" rtlCol="0">
+            <a:spAutoFit/>
+          </a:bodyPr>
+          <a:lstStyle/>
+          <a:p>
+            <a:r>
+              <a:rPr lang="de-DE" dirty="0"/>
+              <a:t>Dijkstra Algorithmus</a:t>
+            </a:r>
+          </a:p>
+        </p:txBody>
+      </p:sp>
+      <p:sp>
+        <p:nvSpPr>
+          <p:cNvPr id="8" name="Textfeld 7"/>
+          <p:cNvSpPr txBox="1"/>
+          <p:nvPr/>
+        </p:nvSpPr>
+        <p:spPr>
+          <a:xfrm>
+            <a:off x="5868144" y="4227934"/>
+            <a:ext cx="2592288" cy="369332"/>
+          </a:xfrm>
+          <a:prstGeom prst="rect">
+            <a:avLst/>
+          </a:prstGeom>
+          <a:noFill/>
+        </p:spPr>
+        <p:txBody>
+          <a:bodyPr wrap="square" rtlCol="0">
+            <a:spAutoFit/>
+          </a:bodyPr>
+          <a:lstStyle/>
+          <a:p>
+            <a:r>
+              <a:rPr lang="de-DE" dirty="0"/>
+              <a:t>Fast-</a:t>
+            </a:r>
+            <a:r>
+              <a:rPr lang="de-DE" dirty="0" err="1"/>
+              <a:t>Marching</a:t>
+            </a:r>
+            <a:r>
+              <a:rPr lang="de-DE" dirty="0"/>
+              <a:t> Algorithmus</a:t>
+            </a:r>
+          </a:p>
+        </p:txBody>
+      </p:sp>
     </p:spTree>
     <p:extLst>
       <p:ext uri="{BB962C8B-B14F-4D97-AF65-F5344CB8AC3E}">
-        <p14:creationId xmlns:p14="http://schemas.microsoft.com/office/powerpoint/2010/main" val="1614132024"/>
+        <p14:creationId xmlns:p14="http://schemas.microsoft.com/office/powerpoint/2010/main" val="4064060774"/>
       </p:ext>
     </p:extLst>
   </p:cSld>
@@ -4710,19 +5374,14 @@
           <a:p>
             <a:r>
               <a:rPr lang="de-DE" dirty="0"/>
-              <a:t>Vergleich Euklid – Fast-</a:t>
-            </a:r>
-            <a:r>
-              <a:rPr lang="de-DE" dirty="0" err="1"/>
-              <a:t>Marching</a:t>
-            </a:r>
-            <a:endParaRPr lang="de-DE" dirty="0"/>
-          </a:p>
-        </p:txBody>
-      </p:sp>
-      <p:sp>
-        <p:nvSpPr>
-          <p:cNvPr id="3" name="Foliennummernplatzhalter 2"/>
+              <a:t>Testfall Engstelle</a:t>
+            </a:r>
+          </a:p>
+        </p:txBody>
+      </p:sp>
+      <p:sp>
+        <p:nvSpPr>
+          <p:cNvPr id="4" name="Foliennummernplatzhalter 3"/>
           <p:cNvSpPr>
             <a:spLocks noGrp="1"/>
           </p:cNvSpPr>
@@ -4773,18 +5432,65 @@
         </p:blipFill>
         <p:spPr>
           <a:xfrm>
-            <a:off x="1475656" y="1419622"/>
-            <a:ext cx="5971429" cy="3359239"/>
+            <a:off x="144016" y="1635646"/>
+            <a:ext cx="8892480" cy="1882588"/>
           </a:xfrm>
           <a:prstGeom prst="rect">
             <a:avLst/>
           </a:prstGeom>
         </p:spPr>
       </p:pic>
+      <p:sp>
+        <p:nvSpPr>
+          <p:cNvPr id="8" name="Rechteck 7"/>
+          <p:cNvSpPr/>
+          <p:nvPr/>
+        </p:nvSpPr>
+        <p:spPr>
+          <a:xfrm>
+            <a:off x="1763688" y="3219822"/>
+            <a:ext cx="4572000" cy="1200329"/>
+          </a:xfrm>
+          <a:prstGeom prst="rect">
+            <a:avLst/>
+          </a:prstGeom>
+        </p:spPr>
+        <p:txBody>
+          <a:bodyPr>
+            <a:spAutoFit/>
+          </a:bodyPr>
+          <a:lstStyle/>
+          <a:p>
+            <a:r>
+              <a:rPr lang="de-DE" dirty="0"/>
+              <a:t>Länge: 72m</a:t>
+            </a:r>
+          </a:p>
+          <a:p>
+            <a:r>
+              <a:rPr lang="de-DE" dirty="0"/>
+              <a:t>Breite: 11,6m</a:t>
+            </a:r>
+          </a:p>
+          <a:p>
+            <a:r>
+              <a:rPr lang="de-DE" dirty="0"/>
+              <a:t>Breite der Engstelle: 0,8m</a:t>
+            </a:r>
+          </a:p>
+          <a:p>
+            <a:r>
+              <a:rPr lang="de-DE" dirty="0"/>
+              <a:t>Länge bis Engstelle: ca. 68m</a:t>
+            </a:r>
+            <a:endParaRPr lang="de-DE" dirty="0"/>
+          </a:p>
+        </p:txBody>
+      </p:sp>
     </p:spTree>
     <p:extLst>
       <p:ext uri="{BB962C8B-B14F-4D97-AF65-F5344CB8AC3E}">
-        <p14:creationId xmlns:p14="http://schemas.microsoft.com/office/powerpoint/2010/main" val="1878542652"/>
+        <p14:creationId xmlns:p14="http://schemas.microsoft.com/office/powerpoint/2010/main" val="1614132024"/>
       </p:ext>
     </p:extLst>
   </p:cSld>
@@ -4811,9 +5517,62 @@
           <a:chExt cx="0" cy="0"/>
         </a:xfrm>
       </p:grpSpPr>
+      <p:sp>
+        <p:nvSpPr>
+          <p:cNvPr id="2" name="Titel 1"/>
+          <p:cNvSpPr>
+            <a:spLocks noGrp="1"/>
+          </p:cNvSpPr>
+          <p:nvPr>
+            <p:ph type="title"/>
+          </p:nvPr>
+        </p:nvSpPr>
+        <p:spPr/>
+        <p:txBody>
+          <a:bodyPr/>
+          <a:lstStyle/>
+          <a:p>
+            <a:r>
+              <a:rPr lang="de-DE" dirty="0"/>
+              <a:t>Testfall Engstelle</a:t>
+            </a:r>
+          </a:p>
+        </p:txBody>
+      </p:sp>
+      <p:sp>
+        <p:nvSpPr>
+          <p:cNvPr id="4" name="Foliennummernplatzhalter 3"/>
+          <p:cNvSpPr>
+            <a:spLocks noGrp="1"/>
+          </p:cNvSpPr>
+          <p:nvPr>
+            <p:ph type="sldNum" sz="quarter" idx="12"/>
+          </p:nvPr>
+        </p:nvSpPr>
+        <p:spPr/>
+        <p:txBody>
+          <a:bodyPr>
+            <a:normAutofit fontScale="47500" lnSpcReduction="20000"/>
+          </a:bodyPr>
+          <a:lstStyle/>
+          <a:p>
+            <a:pPr algn="ctr"/>
+            <a:fld id="{8F82E0A0-C266-4798-8C8F-B9F91E9DA37E}" type="slidenum">
+              <a:rPr kumimoji="0" lang="de-DE" sz="1400" b="1" smtClean="0">
+                <a:solidFill>
+                  <a:srgbClr val="FFFFFF"/>
+                </a:solidFill>
+              </a:rPr>
+              <a:pPr algn="ctr"/>
+              <a:t>8</a:t>
+            </a:fld>
+            <a:endParaRPr kumimoji="0" lang="de-DE"/>
+          </a:p>
+        </p:txBody>
+      </p:sp>
       <p:pic>
         <p:nvPicPr>
-          <p:cNvPr id="5" name="Grafik 4"/>
+          <p:cNvPr id="3" name="Grafik 2"/>
           <p:cNvPicPr>
             <a:picLocks noChangeAspect="1"/>
           </p:cNvPicPr>
@@ -4827,14 +5586,44 @@
         </p:blipFill>
         <p:spPr>
           <a:xfrm>
-            <a:off x="1" y="1424348"/>
-            <a:ext cx="4783979" cy="2689200"/>
+            <a:off x="746219" y="1419622"/>
+            <a:ext cx="7880161" cy="2742605"/>
           </a:xfrm>
           <a:prstGeom prst="rect">
             <a:avLst/>
           </a:prstGeom>
         </p:spPr>
       </p:pic>
+    </p:spTree>
+    <p:extLst>
+      <p:ext uri="{BB962C8B-B14F-4D97-AF65-F5344CB8AC3E}">
+        <p14:creationId xmlns:p14="http://schemas.microsoft.com/office/powerpoint/2010/main" val="3345097736"/>
+      </p:ext>
+    </p:extLst>
+  </p:cSld>
+  <p:clrMapOvr>
+    <a:masterClrMapping/>
+  </p:clrMapOvr>
+</p:sld>
+</file>
+
+<file path=ppt/slides/slide9.xml><?xml version="1.0" encoding="utf-8"?>
+<p:sld xmlns:a="http://schemas.openxmlformats.org/drawingml/2006/main" xmlns:r="http://schemas.openxmlformats.org/officeDocument/2006/relationships" xmlns:p="http://schemas.openxmlformats.org/presentationml/2006/main">
+  <p:cSld>
+    <p:spTree>
+      <p:nvGrpSpPr>
+        <p:cNvPr id="1" name=""/>
+        <p:cNvGrpSpPr/>
+        <p:nvPr/>
+      </p:nvGrpSpPr>
+      <p:grpSpPr>
+        <a:xfrm>
+          <a:off x="0" y="0"/>
+          <a:ext cx="0" cy="0"/>
+          <a:chOff x="0" y="0"/>
+          <a:chExt cx="0" cy="0"/>
+        </a:xfrm>
+      </p:grpSpPr>
       <p:sp>
         <p:nvSpPr>
           <p:cNvPr id="2" name="Titel 1"/>
@@ -4852,19 +5641,14 @@
           <a:p>
             <a:r>
               <a:rPr lang="de-DE" dirty="0"/>
-              <a:t>Vergleich Euklid – Fast-</a:t>
-            </a:r>
-            <a:r>
-              <a:rPr lang="de-DE" dirty="0" err="1"/>
-              <a:t>Marching</a:t>
-            </a:r>
-            <a:endParaRPr lang="de-DE" dirty="0"/>
-          </a:p>
-        </p:txBody>
-      </p:sp>
-      <p:sp>
-        <p:nvSpPr>
-          <p:cNvPr id="3" name="Foliennummernplatzhalter 2"/>
+              <a:t>Testfall Engstelle (1000 Personen)</a:t>
+            </a:r>
+          </a:p>
+        </p:txBody>
+      </p:sp>
+      <p:sp>
+        <p:nvSpPr>
+          <p:cNvPr id="4" name="Foliennummernplatzhalter 3"/>
           <p:cNvSpPr>
             <a:spLocks noGrp="1"/>
           </p:cNvSpPr>
@@ -4887,7 +5671,7 @@
                 </a:solidFill>
               </a:rPr>
               <a:pPr algn="ctr"/>
-              <a:t>8</a:t>
+              <a:t>9</a:t>
             </a:fld>
             <a:endParaRPr kumimoji="0" lang="de-DE"/>
           </a:p>
@@ -4895,90 +5679,68 @@
       </p:sp>
       <p:pic>
         <p:nvPicPr>
-          <p:cNvPr id="4" name="Grafik 3"/>
+          <p:cNvPr id="5" name="Grafik 4"/>
           <p:cNvPicPr>
             <a:picLocks noChangeAspect="1"/>
           </p:cNvPicPr>
           <p:nvPr/>
         </p:nvPicPr>
         <p:blipFill>
-          <a:blip r:embed="rId4"/>
+          <a:blip r:embed="rId3">
+            <a:extLst>
+              <a:ext uri="{28A0092B-C50C-407E-A947-70E740481C1C}">
+                <a14:useLocalDpi xmlns:a14="http://schemas.microsoft.com/office/drawing/2010/main" val="0"/>
+              </a:ext>
+            </a:extLst>
+          </a:blip>
           <a:stretch>
             <a:fillRect/>
           </a:stretch>
         </p:blipFill>
         <p:spPr>
           <a:xfrm>
-            <a:off x="4211960" y="1421984"/>
-            <a:ext cx="4932040" cy="2690501"/>
+            <a:off x="137194" y="1562079"/>
+            <a:ext cx="4529357" cy="2547445"/>
           </a:xfrm>
           <a:prstGeom prst="rect">
             <a:avLst/>
           </a:prstGeom>
         </p:spPr>
       </p:pic>
-      <p:sp>
-        <p:nvSpPr>
-          <p:cNvPr id="7" name="Textfeld 6"/>
-          <p:cNvSpPr txBox="1"/>
+      <p:pic>
+        <p:nvPicPr>
+          <p:cNvPr id="7" name="Grafik 6"/>
+          <p:cNvPicPr>
+            <a:picLocks noChangeAspect="1"/>
+          </p:cNvPicPr>
           <p:nvPr/>
-        </p:nvSpPr>
-        <p:spPr>
-          <a:xfrm>
-            <a:off x="1131850" y="4413946"/>
-            <a:ext cx="2520280" cy="369332"/>
+        </p:nvPicPr>
+        <p:blipFill>
+          <a:blip r:embed="rId4" cstate="print">
+            <a:extLst>
+              <a:ext uri="{28A0092B-C50C-407E-A947-70E740481C1C}">
+                <a14:useLocalDpi xmlns:a14="http://schemas.microsoft.com/office/drawing/2010/main" val="0"/>
+              </a:ext>
+            </a:extLst>
+          </a:blip>
+          <a:stretch>
+            <a:fillRect/>
+          </a:stretch>
+        </p:blipFill>
+        <p:spPr>
+          <a:xfrm>
+            <a:off x="4499992" y="1562079"/>
+            <a:ext cx="4572000" cy="2571317"/>
           </a:xfrm>
           <a:prstGeom prst="rect">
             <a:avLst/>
           </a:prstGeom>
-          <a:noFill/>
-        </p:spPr>
-        <p:txBody>
-          <a:bodyPr wrap="square" rtlCol="0">
-            <a:spAutoFit/>
-          </a:bodyPr>
-          <a:lstStyle/>
-          <a:p>
-            <a:r>
-              <a:rPr lang="de-DE" dirty="0"/>
-              <a:t>Zellgröße: 2 m</a:t>
-            </a:r>
-          </a:p>
-        </p:txBody>
-      </p:sp>
-      <p:sp>
-        <p:nvSpPr>
-          <p:cNvPr id="9" name="Textfeld 8"/>
-          <p:cNvSpPr txBox="1"/>
-          <p:nvPr/>
-        </p:nvSpPr>
-        <p:spPr>
-          <a:xfrm>
-            <a:off x="5724128" y="4410519"/>
-            <a:ext cx="2520280" cy="369332"/>
-          </a:xfrm>
-          <a:prstGeom prst="rect">
-            <a:avLst/>
-          </a:prstGeom>
-          <a:noFill/>
-        </p:spPr>
-        <p:txBody>
-          <a:bodyPr wrap="square" rtlCol="0">
-            <a:spAutoFit/>
-          </a:bodyPr>
-          <a:lstStyle/>
-          <a:p>
-            <a:r>
-              <a:rPr lang="de-DE" dirty="0"/>
-              <a:t>Zellgröße: 0,03125 m</a:t>
-            </a:r>
-          </a:p>
-        </p:txBody>
-      </p:sp>
+        </p:spPr>
+      </p:pic>
     </p:spTree>
     <p:extLst>
       <p:ext uri="{BB962C8B-B14F-4D97-AF65-F5344CB8AC3E}">
-        <p14:creationId xmlns:p14="http://schemas.microsoft.com/office/powerpoint/2010/main" val="2659582414"/>
+        <p14:creationId xmlns:p14="http://schemas.microsoft.com/office/powerpoint/2010/main" val="3170242197"/>
       </p:ext>
     </p:extLst>
   </p:cSld>
